--- a/lectures/lecture-04/Lecture-Live B00/Lecture 04 - Lecture.pptx
+++ b/lectures/lecture-04/Lecture-Live B00/Lecture 04 - Lecture.pptx
@@ -844,7 +844,7 @@
           <a:p>
             <a:fld id="{3A2BF66F-FEB0-48C1-A8B9-A73F54BB1A08}" type="datetimeFigureOut">
               <a:rPr lang="en-US" smtClean="0"/>
-              <a:t>4/4/2021</a:t>
+              <a:t>4/5/2021</a:t>
             </a:fld>
             <a:endParaRPr lang="en-US" dirty="0"/>
           </a:p>
@@ -1052,7 +1052,7 @@
           <a:p>
             <a:fld id="{3A2BF66F-FEB0-48C1-A8B9-A73F54BB1A08}" type="datetimeFigureOut">
               <a:rPr lang="en-US" smtClean="0"/>
-              <a:t>4/4/2021</a:t>
+              <a:t>4/5/2021</a:t>
             </a:fld>
             <a:endParaRPr lang="en-US" dirty="0"/>
           </a:p>
@@ -1270,7 +1270,7 @@
           <a:p>
             <a:fld id="{3A2BF66F-FEB0-48C1-A8B9-A73F54BB1A08}" type="datetimeFigureOut">
               <a:rPr lang="en-US" smtClean="0"/>
-              <a:t>4/4/2021</a:t>
+              <a:t>4/5/2021</a:t>
             </a:fld>
             <a:endParaRPr lang="en-US" dirty="0"/>
           </a:p>
@@ -1478,7 +1478,7 @@
           <a:p>
             <a:fld id="{3A2BF66F-FEB0-48C1-A8B9-A73F54BB1A08}" type="datetimeFigureOut">
               <a:rPr lang="en-US" smtClean="0"/>
-              <a:t>4/4/2021</a:t>
+              <a:t>4/5/2021</a:t>
             </a:fld>
             <a:endParaRPr lang="en-US" dirty="0"/>
           </a:p>
@@ -1763,7 +1763,7 @@
           <a:p>
             <a:fld id="{3A2BF66F-FEB0-48C1-A8B9-A73F54BB1A08}" type="datetimeFigureOut">
               <a:rPr lang="en-US" smtClean="0"/>
-              <a:t>4/4/2021</a:t>
+              <a:t>4/5/2021</a:t>
             </a:fld>
             <a:endParaRPr lang="en-US" dirty="0"/>
           </a:p>
@@ -2038,7 +2038,7 @@
           <a:p>
             <a:fld id="{3A2BF66F-FEB0-48C1-A8B9-A73F54BB1A08}" type="datetimeFigureOut">
               <a:rPr lang="en-US" smtClean="0"/>
-              <a:t>4/4/2021</a:t>
+              <a:t>4/5/2021</a:t>
             </a:fld>
             <a:endParaRPr lang="en-US" dirty="0"/>
           </a:p>
@@ -2460,7 +2460,7 @@
           <a:p>
             <a:fld id="{3A2BF66F-FEB0-48C1-A8B9-A73F54BB1A08}" type="datetimeFigureOut">
               <a:rPr lang="en-US" smtClean="0"/>
-              <a:t>4/4/2021</a:t>
+              <a:t>4/5/2021</a:t>
             </a:fld>
             <a:endParaRPr lang="en-US" dirty="0"/>
           </a:p>
@@ -2611,7 +2611,7 @@
           <a:p>
             <a:fld id="{3A2BF66F-FEB0-48C1-A8B9-A73F54BB1A08}" type="datetimeFigureOut">
               <a:rPr lang="en-US" smtClean="0"/>
-              <a:t>4/4/2021</a:t>
+              <a:t>4/5/2021</a:t>
             </a:fld>
             <a:endParaRPr lang="en-US" dirty="0"/>
           </a:p>
@@ -2734,7 +2734,7 @@
           <a:p>
             <a:fld id="{3A2BF66F-FEB0-48C1-A8B9-A73F54BB1A08}" type="datetimeFigureOut">
               <a:rPr lang="en-US" smtClean="0"/>
-              <a:t>4/4/2021</a:t>
+              <a:t>4/5/2021</a:t>
             </a:fld>
             <a:endParaRPr lang="en-US" dirty="0"/>
           </a:p>
@@ -3054,7 +3054,7 @@
           <a:p>
             <a:fld id="{3A2BF66F-FEB0-48C1-A8B9-A73F54BB1A08}" type="datetimeFigureOut">
               <a:rPr lang="en-US" smtClean="0"/>
-              <a:t>4/4/2021</a:t>
+              <a:t>4/5/2021</a:t>
             </a:fld>
             <a:endParaRPr lang="en-US" dirty="0"/>
           </a:p>
@@ -3352,7 +3352,7 @@
           <a:p>
             <a:fld id="{3A2BF66F-FEB0-48C1-A8B9-A73F54BB1A08}" type="datetimeFigureOut">
               <a:rPr lang="en-US" smtClean="0"/>
-              <a:t>4/4/2021</a:t>
+              <a:t>4/5/2021</a:t>
             </a:fld>
             <a:endParaRPr lang="en-US" dirty="0"/>
           </a:p>
@@ -3603,7 +3603,7 @@
           <a:p>
             <a:fld id="{3A2BF66F-FEB0-48C1-A8B9-A73F54BB1A08}" type="datetimeFigureOut">
               <a:rPr lang="en-US" smtClean="0"/>
-              <a:t>4/4/2021</a:t>
+              <a:t>4/5/2021</a:t>
             </a:fld>
             <a:endParaRPr lang="en-US" dirty="0"/>
           </a:p>
@@ -4917,7 +4917,12 @@
             <p:ph type="title"/>
           </p:nvPr>
         </p:nvSpPr>
-        <p:spPr/>
+        <p:spPr>
+          <a:xfrm>
+            <a:off x="628650" y="0"/>
+            <a:ext cx="7886700" cy="594182"/>
+          </a:xfrm>
+        </p:spPr>
         <p:txBody>
           <a:bodyPr/>
           <a:lstStyle/>
@@ -4945,7 +4950,12 @@
             <p:ph idx="1"/>
           </p:nvPr>
         </p:nvSpPr>
-        <p:spPr/>
+        <p:spPr>
+          <a:xfrm>
+            <a:off x="87834" y="540813"/>
+            <a:ext cx="3587552" cy="1640228"/>
+          </a:xfrm>
+        </p:spPr>
         <p:txBody>
           <a:bodyPr>
             <a:normAutofit/>
@@ -4959,7 +4969,7 @@
               <a:buNone/>
             </a:pPr>
             <a:r>
-              <a:rPr lang="en-US" sz="1600" dirty="0"/>
+              <a:rPr lang="en-US" sz="1100" dirty="0"/>
               <a:t>class Example {</a:t>
             </a:r>
           </a:p>
@@ -4971,7 +4981,7 @@
               <a:buNone/>
             </a:pPr>
             <a:r>
-              <a:rPr lang="en-US" sz="1600" dirty="0"/>
+              <a:rPr lang="en-US" sz="1100" dirty="0"/>
               <a:t>  int average(int n, int m, int o) {</a:t>
             </a:r>
           </a:p>
@@ -4983,7 +4993,7 @@
               <a:buNone/>
             </a:pPr>
             <a:r>
-              <a:rPr lang="en-US" sz="1600" dirty="0"/>
+              <a:rPr lang="en-US" sz="1100" dirty="0"/>
               <a:t>    return (n + m + o) / 3;</a:t>
             </a:r>
           </a:p>
@@ -4995,7 +5005,7 @@
               <a:buNone/>
             </a:pPr>
             <a:r>
-              <a:rPr lang="en-US" sz="1600" dirty="0"/>
+              <a:rPr lang="en-US" sz="1100" dirty="0"/>
               <a:t>  }</a:t>
             </a:r>
           </a:p>
@@ -5007,15 +5017,15 @@
               <a:buNone/>
             </a:pPr>
             <a:r>
-              <a:rPr lang="en-US" sz="1600" dirty="0"/>
+              <a:rPr lang="en-US" sz="1100" dirty="0"/>
               <a:t>  String </a:t>
             </a:r>
             <a:r>
-              <a:rPr lang="en-US" sz="1600" dirty="0" err="1"/>
+              <a:rPr lang="en-US" sz="1100" dirty="0" err="1"/>
               <a:t>withDotAtTheEnd</a:t>
             </a:r>
             <a:r>
-              <a:rPr lang="en-US" sz="1600" dirty="0"/>
+              <a:rPr lang="en-US" sz="1100" dirty="0"/>
               <a:t>(int n) {</a:t>
             </a:r>
           </a:p>
@@ -5027,7 +5037,7 @@
               <a:buNone/>
             </a:pPr>
             <a:r>
-              <a:rPr lang="en-US" sz="1600" dirty="0"/>
+              <a:rPr lang="en-US" sz="1100" dirty="0"/>
               <a:t>    return n + ".";</a:t>
             </a:r>
           </a:p>
@@ -5039,7 +5049,7 @@
               <a:buNone/>
             </a:pPr>
             <a:r>
-              <a:rPr lang="en-US" sz="1600" dirty="0"/>
+              <a:rPr lang="en-US" sz="1100" dirty="0"/>
               <a:t>  }</a:t>
             </a:r>
           </a:p>
@@ -5051,31 +5061,31 @@
               <a:buNone/>
             </a:pPr>
             <a:r>
-              <a:rPr lang="en-US" sz="1600" dirty="0"/>
+              <a:rPr lang="en-US" sz="1100" dirty="0"/>
               <a:t>  String </a:t>
             </a:r>
             <a:r>
-              <a:rPr lang="en-US" sz="1600" dirty="0" err="1"/>
+              <a:rPr lang="en-US" sz="1100" dirty="0" err="1"/>
               <a:t>ans</a:t>
             </a:r>
             <a:r>
-              <a:rPr lang="en-US" sz="1600" dirty="0"/>
+              <a:rPr lang="en-US" sz="1100" dirty="0"/>
               <a:t> = </a:t>
             </a:r>
             <a:r>
-              <a:rPr lang="en-US" sz="1600" dirty="0" err="1"/>
+              <a:rPr lang="en-US" sz="1100" dirty="0" err="1"/>
               <a:t>this.withDotAtTheEnd</a:t>
             </a:r>
             <a:r>
-              <a:rPr lang="en-US" sz="1600" dirty="0"/>
+              <a:rPr lang="en-US" sz="1100" dirty="0"/>
               <a:t>(</a:t>
             </a:r>
             <a:r>
-              <a:rPr lang="en-US" sz="1600" dirty="0" err="1"/>
+              <a:rPr lang="en-US" sz="1100" dirty="0" err="1"/>
               <a:t>this.average</a:t>
             </a:r>
             <a:r>
-              <a:rPr lang="en-US" sz="1600" dirty="0"/>
+              <a:rPr lang="en-US" sz="1100" dirty="0"/>
               <a:t>(3, 5, 7));</a:t>
             </a:r>
           </a:p>
@@ -5087,7 +5097,7 @@
               <a:buNone/>
             </a:pPr>
             <a:r>
-              <a:rPr lang="en-US" sz="1600" dirty="0"/>
+              <a:rPr lang="en-US" sz="1100" dirty="0"/>
               <a:t>}</a:t>
             </a:r>
           </a:p>
